--- a/Management Paper & Poster/Poster.pptx
+++ b/Management Paper & Poster/Poster.pptx
@@ -12823,7 +12823,7 @@
           <a:p>
             <a:r>
               <a:rPr lang="de-AT" sz="11500" b="1"/>
-              <a:t>Action research</a:t>
+              <a:t>Action -research</a:t>
             </a:r>
             <a:endParaRPr lang="de-AT" sz="11500" b="1" dirty="0"/>
           </a:p>
